--- a/M1BO_HelloYou_Presentatie.pptx
+++ b/M1BO_HelloYou_Presentatie.pptx
@@ -10,6 +10,8 @@
     <p:sldId id="258" r:id="rId4"/>
     <p:sldId id="259" r:id="rId5"/>
     <p:sldId id="260" r:id="rId6"/>
+    <p:sldId id="261" r:id="rId7"/>
+    <p:sldId id="262" r:id="rId8"/>
   </p:sldIdLst>
   <p:sldSz cx="12192000" cy="6858000"/>
   <p:notesSz cx="6858000" cy="9144000"/>
@@ -119,7 +121,7 @@
 <file path=ppt/revisionInfo.xml><?xml version="1.0" encoding="utf-8"?>
 <p1510:revInfo xmlns:a="http://schemas.openxmlformats.org/drawingml/2006/main" xmlns:r="http://schemas.openxmlformats.org/officeDocument/2006/relationships" xmlns:p1510="http://schemas.microsoft.com/office/powerpoint/2015/10/main">
   <p1510:revLst>
-    <p1510:client id="{CCB5F5CF-8DB9-44F9-BB3B-044C402215CB}" v="37" dt="2022-11-10T09:08:33.905"/>
+    <p1510:client id="{CCB5F5CF-8DB9-44F9-BB3B-044C402215CB}" v="48" dt="2022-11-10T20:07:02.112"/>
   </p1510:revLst>
 </p1510:revInfo>
 </file>
@@ -129,7 +131,7 @@
   <pc:docChgLst>
     <pc:chgData name="Eliza Voets" userId="fde18923-504f-406d-b9f4-9b76773e789d" providerId="ADAL" clId="{CCB5F5CF-8DB9-44F9-BB3B-044C402215CB}"/>
     <pc:docChg chg="undo custSel addSld modSld">
-      <pc:chgData name="Eliza Voets" userId="fde18923-504f-406d-b9f4-9b76773e789d" providerId="ADAL" clId="{CCB5F5CF-8DB9-44F9-BB3B-044C402215CB}" dt="2022-11-10T09:08:30.904" v="1900" actId="20577"/>
+      <pc:chgData name="Eliza Voets" userId="fde18923-504f-406d-b9f4-9b76773e789d" providerId="ADAL" clId="{CCB5F5CF-8DB9-44F9-BB3B-044C402215CB}" dt="2022-11-10T20:07:20.636" v="2006" actId="207"/>
       <pc:docMkLst>
         <pc:docMk/>
       </pc:docMkLst>
@@ -522,11 +524,19 @@
         </pc:spChg>
       </pc:sldChg>
       <pc:sldChg chg="addSp delSp modSp mod setBg">
-        <pc:chgData name="Eliza Voets" userId="fde18923-504f-406d-b9f4-9b76773e789d" providerId="ADAL" clId="{CCB5F5CF-8DB9-44F9-BB3B-044C402215CB}" dt="2022-11-10T09:08:16.582" v="1877" actId="403"/>
+        <pc:chgData name="Eliza Voets" userId="fde18923-504f-406d-b9f4-9b76773e789d" providerId="ADAL" clId="{CCB5F5CF-8DB9-44F9-BB3B-044C402215CB}" dt="2022-11-10T20:03:19.016" v="1916" actId="167"/>
         <pc:sldMkLst>
           <pc:docMk/>
           <pc:sldMk cId="653416349" sldId="260"/>
         </pc:sldMkLst>
+        <pc:spChg chg="add mod">
+          <ac:chgData name="Eliza Voets" userId="fde18923-504f-406d-b9f4-9b76773e789d" providerId="ADAL" clId="{CCB5F5CF-8DB9-44F9-BB3B-044C402215CB}" dt="2022-11-10T20:02:32.367" v="1903" actId="14100"/>
+          <ac:spMkLst>
+            <pc:docMk/>
+            <pc:sldMk cId="653416349" sldId="260"/>
+            <ac:spMk id="2" creationId="{0D817E29-D0F3-F140-F70B-A8EA3E61A112}"/>
+          </ac:spMkLst>
+        </pc:spChg>
         <pc:spChg chg="add del mod">
           <ac:chgData name="Eliza Voets" userId="fde18923-504f-406d-b9f4-9b76773e789d" providerId="ADAL" clId="{CCB5F5CF-8DB9-44F9-BB3B-044C402215CB}" dt="2022-11-10T09:07:49.925" v="1852"/>
           <ac:spMkLst>
@@ -535,12 +545,82 @@
             <ac:spMk id="2" creationId="{93C4F67F-2223-07B5-14C7-F2D63E61BAD6}"/>
           </ac:spMkLst>
         </pc:spChg>
-        <pc:spChg chg="add mod">
-          <ac:chgData name="Eliza Voets" userId="fde18923-504f-406d-b9f4-9b76773e789d" providerId="ADAL" clId="{CCB5F5CF-8DB9-44F9-BB3B-044C402215CB}" dt="2022-11-10T09:08:16.582" v="1877" actId="403"/>
+        <pc:spChg chg="add mod ord">
+          <ac:chgData name="Eliza Voets" userId="fde18923-504f-406d-b9f4-9b76773e789d" providerId="ADAL" clId="{CCB5F5CF-8DB9-44F9-BB3B-044C402215CB}" dt="2022-11-10T20:03:02.120" v="1911" actId="166"/>
           <ac:spMkLst>
             <pc:docMk/>
             <pc:sldMk cId="653416349" sldId="260"/>
             <ac:spMk id="3" creationId="{FEA46BC1-2D0C-169C-8F46-9371E9FCCB19}"/>
+          </ac:spMkLst>
+        </pc:spChg>
+        <pc:spChg chg="add mod">
+          <ac:chgData name="Eliza Voets" userId="fde18923-504f-406d-b9f4-9b76773e789d" providerId="ADAL" clId="{CCB5F5CF-8DB9-44F9-BB3B-044C402215CB}" dt="2022-11-10T20:02:56.438" v="1910" actId="20577"/>
+          <ac:spMkLst>
+            <pc:docMk/>
+            <pc:sldMk cId="653416349" sldId="260"/>
+            <ac:spMk id="4" creationId="{B5B0499E-DF93-A2FD-ACCA-1412FF41E1AC}"/>
+          </ac:spMkLst>
+        </pc:spChg>
+        <pc:spChg chg="add mod ord">
+          <ac:chgData name="Eliza Voets" userId="fde18923-504f-406d-b9f4-9b76773e789d" providerId="ADAL" clId="{CCB5F5CF-8DB9-44F9-BB3B-044C402215CB}" dt="2022-11-10T20:03:19.016" v="1916" actId="167"/>
+          <ac:spMkLst>
+            <pc:docMk/>
+            <pc:sldMk cId="653416349" sldId="260"/>
+            <ac:spMk id="5" creationId="{2466BB48-E91C-DD53-984E-F88C8529A208}"/>
+          </ac:spMkLst>
+        </pc:spChg>
+      </pc:sldChg>
+      <pc:sldChg chg="addSp delSp modSp new mod setBg">
+        <pc:chgData name="Eliza Voets" userId="fde18923-504f-406d-b9f4-9b76773e789d" providerId="ADAL" clId="{CCB5F5CF-8DB9-44F9-BB3B-044C402215CB}" dt="2022-11-10T20:06:39.173" v="1989" actId="20577"/>
+        <pc:sldMkLst>
+          <pc:docMk/>
+          <pc:sldMk cId="1068790333" sldId="261"/>
+        </pc:sldMkLst>
+        <pc:spChg chg="add mod">
+          <ac:chgData name="Eliza Voets" userId="fde18923-504f-406d-b9f4-9b76773e789d" providerId="ADAL" clId="{CCB5F5CF-8DB9-44F9-BB3B-044C402215CB}" dt="2022-11-10T20:06:15.547" v="1949" actId="1076"/>
+          <ac:spMkLst>
+            <pc:docMk/>
+            <pc:sldMk cId="1068790333" sldId="261"/>
+            <ac:spMk id="2" creationId="{D4E4AF33-0309-1192-A2E6-C376BBC44F41}"/>
+          </ac:spMkLst>
+        </pc:spChg>
+        <pc:spChg chg="add del mod">
+          <ac:chgData name="Eliza Voets" userId="fde18923-504f-406d-b9f4-9b76773e789d" providerId="ADAL" clId="{CCB5F5CF-8DB9-44F9-BB3B-044C402215CB}" dt="2022-11-10T20:06:10.985" v="1948" actId="478"/>
+          <ac:spMkLst>
+            <pc:docMk/>
+            <pc:sldMk cId="1068790333" sldId="261"/>
+            <ac:spMk id="3" creationId="{5963DDCD-2B31-F7FB-0664-EE114AFD889D}"/>
+          </ac:spMkLst>
+        </pc:spChg>
+        <pc:spChg chg="add mod">
+          <ac:chgData name="Eliza Voets" userId="fde18923-504f-406d-b9f4-9b76773e789d" providerId="ADAL" clId="{CCB5F5CF-8DB9-44F9-BB3B-044C402215CB}" dt="2022-11-10T20:06:39.173" v="1989" actId="20577"/>
+          <ac:spMkLst>
+            <pc:docMk/>
+            <pc:sldMk cId="1068790333" sldId="261"/>
+            <ac:spMk id="5" creationId="{26513F84-0090-9381-3C0B-54CAF6B1F078}"/>
+          </ac:spMkLst>
+        </pc:spChg>
+        <pc:picChg chg="add mod">
+          <ac:chgData name="Eliza Voets" userId="fde18923-504f-406d-b9f4-9b76773e789d" providerId="ADAL" clId="{CCB5F5CF-8DB9-44F9-BB3B-044C402215CB}" dt="2022-11-10T20:06:18.825" v="1950" actId="1076"/>
+          <ac:picMkLst>
+            <pc:docMk/>
+            <pc:sldMk cId="1068790333" sldId="261"/>
+            <ac:picMk id="4" creationId="{C2269855-9EE7-7D5A-458D-996156FD41ED}"/>
+          </ac:picMkLst>
+        </pc:picChg>
+      </pc:sldChg>
+      <pc:sldChg chg="addSp modSp new mod setBg">
+        <pc:chgData name="Eliza Voets" userId="fde18923-504f-406d-b9f4-9b76773e789d" providerId="ADAL" clId="{CCB5F5CF-8DB9-44F9-BB3B-044C402215CB}" dt="2022-11-10T20:07:20.636" v="2006" actId="207"/>
+        <pc:sldMkLst>
+          <pc:docMk/>
+          <pc:sldMk cId="202455686" sldId="262"/>
+        </pc:sldMkLst>
+        <pc:spChg chg="add mod">
+          <ac:chgData name="Eliza Voets" userId="fde18923-504f-406d-b9f4-9b76773e789d" providerId="ADAL" clId="{CCB5F5CF-8DB9-44F9-BB3B-044C402215CB}" dt="2022-11-10T20:07:20.636" v="2006" actId="207"/>
+          <ac:spMkLst>
+            <pc:docMk/>
+            <pc:sldMk cId="202455686" sldId="262"/>
+            <ac:spMk id="2" creationId="{7C5BD1A0-2344-1A52-8E7A-5CD3F6240B2E}"/>
           </ac:spMkLst>
         </pc:spChg>
       </pc:sldChg>
@@ -5776,6 +5856,182 @@
       </p:grpSpPr>
       <p:sp>
         <p:nvSpPr>
+          <p:cNvPr id="5" name="Rectangle 4">
+            <a:extLst>
+              <a:ext uri="{FF2B5EF4-FFF2-40B4-BE49-F238E27FC236}">
+                <a16:creationId xmlns:a16="http://schemas.microsoft.com/office/drawing/2014/main" id="{2466BB48-E91C-DD53-984E-F88C8529A208}"/>
+              </a:ext>
+            </a:extLst>
+          </p:cNvPr>
+          <p:cNvSpPr/>
+          <p:nvPr/>
+        </p:nvSpPr>
+        <p:spPr>
+          <a:xfrm>
+            <a:off x="-1" y="0"/>
+            <a:ext cx="12192001" cy="6858000"/>
+          </a:xfrm>
+          <a:prstGeom prst="rect">
+            <a:avLst/>
+          </a:prstGeom>
+          <a:solidFill>
+            <a:srgbClr val="C96D6D"/>
+          </a:solidFill>
+          <a:ln>
+            <a:noFill/>
+          </a:ln>
+        </p:spPr>
+        <p:style>
+          <a:lnRef idx="2">
+            <a:schemeClr val="accent1">
+              <a:shade val="50000"/>
+            </a:schemeClr>
+          </a:lnRef>
+          <a:fillRef idx="1">
+            <a:schemeClr val="accent1"/>
+          </a:fillRef>
+          <a:effectRef idx="0">
+            <a:schemeClr val="accent1"/>
+          </a:effectRef>
+          <a:fontRef idx="minor">
+            <a:schemeClr val="lt1"/>
+          </a:fontRef>
+        </p:style>
+        <p:txBody>
+          <a:bodyPr rtlCol="0" anchor="ctr"/>
+          <a:lstStyle/>
+          <a:p>
+            <a:pPr algn="ctr"/>
+            <a:endParaRPr lang="nl-NL"/>
+          </a:p>
+        </p:txBody>
+      </p:sp>
+      <p:sp>
+        <p:nvSpPr>
+          <p:cNvPr id="2" name="Rectangle 1">
+            <a:extLst>
+              <a:ext uri="{FF2B5EF4-FFF2-40B4-BE49-F238E27FC236}">
+                <a16:creationId xmlns:a16="http://schemas.microsoft.com/office/drawing/2014/main" id="{0D817E29-D0F3-F140-F70B-A8EA3E61A112}"/>
+              </a:ext>
+            </a:extLst>
+          </p:cNvPr>
+          <p:cNvSpPr/>
+          <p:nvPr/>
+        </p:nvSpPr>
+        <p:spPr>
+          <a:xfrm>
+            <a:off x="0" y="4122420"/>
+            <a:ext cx="12192000" cy="2735580"/>
+          </a:xfrm>
+          <a:prstGeom prst="rect">
+            <a:avLst/>
+          </a:prstGeom>
+          <a:solidFill>
+            <a:schemeClr val="accent4">
+              <a:lumMod val="40000"/>
+              <a:lumOff val="60000"/>
+            </a:schemeClr>
+          </a:solidFill>
+          <a:ln>
+            <a:noFill/>
+          </a:ln>
+        </p:spPr>
+        <p:style>
+          <a:lnRef idx="2">
+            <a:schemeClr val="accent1">
+              <a:shade val="50000"/>
+            </a:schemeClr>
+          </a:lnRef>
+          <a:fillRef idx="1">
+            <a:schemeClr val="accent1"/>
+          </a:fillRef>
+          <a:effectRef idx="0">
+            <a:schemeClr val="accent1"/>
+          </a:effectRef>
+          <a:fontRef idx="minor">
+            <a:schemeClr val="lt1"/>
+          </a:fontRef>
+        </p:style>
+        <p:txBody>
+          <a:bodyPr rtlCol="0" anchor="ctr"/>
+          <a:lstStyle/>
+          <a:p>
+            <a:pPr algn="ctr"/>
+            <a:endParaRPr lang="nl-NL"/>
+          </a:p>
+        </p:txBody>
+      </p:sp>
+      <p:sp>
+        <p:nvSpPr>
+          <p:cNvPr id="4" name="Rectangle 3">
+            <a:extLst>
+              <a:ext uri="{FF2B5EF4-FFF2-40B4-BE49-F238E27FC236}">
+                <a16:creationId xmlns:a16="http://schemas.microsoft.com/office/drawing/2014/main" id="{B5B0499E-DF93-A2FD-ACCA-1412FF41E1AC}"/>
+              </a:ext>
+            </a:extLst>
+          </p:cNvPr>
+          <p:cNvSpPr/>
+          <p:nvPr/>
+        </p:nvSpPr>
+        <p:spPr>
+          <a:xfrm>
+            <a:off x="0" y="0"/>
+            <a:ext cx="12192000" cy="2268529"/>
+          </a:xfrm>
+          <a:prstGeom prst="rect">
+            <a:avLst/>
+          </a:prstGeom>
+          <a:solidFill>
+            <a:schemeClr val="accent6">
+              <a:lumMod val="20000"/>
+              <a:lumOff val="80000"/>
+            </a:schemeClr>
+          </a:solidFill>
+          <a:ln>
+            <a:noFill/>
+          </a:ln>
+          <a:effectLst>
+            <a:outerShdw blurRad="203200" dist="203200" dir="3960000" sx="103000" sy="103000" algn="t" rotWithShape="0">
+              <a:prstClr val="black">
+                <a:alpha val="17000"/>
+              </a:prstClr>
+            </a:outerShdw>
+          </a:effectLst>
+        </p:spPr>
+        <p:style>
+          <a:lnRef idx="2">
+            <a:schemeClr val="accent1">
+              <a:shade val="50000"/>
+            </a:schemeClr>
+          </a:lnRef>
+          <a:fillRef idx="1">
+            <a:schemeClr val="accent1"/>
+          </a:fillRef>
+          <a:effectRef idx="0">
+            <a:schemeClr val="accent1"/>
+          </a:effectRef>
+          <a:fontRef idx="minor">
+            <a:schemeClr val="lt1"/>
+          </a:fontRef>
+        </p:style>
+        <p:txBody>
+          <a:bodyPr rtlCol="0" anchor="ctr"/>
+          <a:lstStyle/>
+          <a:p>
+            <a:pPr algn="ctr"/>
+            <a:endParaRPr lang="nl-NL" dirty="0">
+              <a:solidFill>
+                <a:schemeClr val="accent5">
+                  <a:lumMod val="75000"/>
+                </a:schemeClr>
+              </a:solidFill>
+              <a:latin typeface="Comic Sans MS" panose="030F0702030302020204" pitchFamily="66" charset="0"/>
+            </a:endParaRPr>
+          </a:p>
+        </p:txBody>
+      </p:sp>
+      <p:sp>
+        <p:nvSpPr>
           <p:cNvPr id="3" name="Rectangle 2">
             <a:extLst>
               <a:ext uri="{FF2B5EF4-FFF2-40B4-BE49-F238E27FC236}">
@@ -5846,6 +6102,273 @@
     <p:extLst>
       <p:ext uri="{BB962C8B-B14F-4D97-AF65-F5344CB8AC3E}">
         <p14:creationId xmlns:p14="http://schemas.microsoft.com/office/powerpoint/2010/main" val="653416349"/>
+      </p:ext>
+    </p:extLst>
+  </p:cSld>
+  <p:clrMapOvr>
+    <a:masterClrMapping/>
+  </p:clrMapOvr>
+</p:sld>
+</file>
+
+<file path=ppt/slides/slide6.xml><?xml version="1.0" encoding="utf-8"?>
+<p:sld xmlns:a="http://schemas.openxmlformats.org/drawingml/2006/main" xmlns:r="http://schemas.openxmlformats.org/officeDocument/2006/relationships" xmlns:p="http://schemas.openxmlformats.org/presentationml/2006/main">
+  <p:cSld>
+    <p:bg>
+      <p:bgPr>
+        <a:solidFill>
+          <a:srgbClr val="F7D9E6"/>
+        </a:solidFill>
+        <a:effectLst/>
+      </p:bgPr>
+    </p:bg>
+    <p:spTree>
+      <p:nvGrpSpPr>
+        <p:cNvPr id="1" name=""/>
+        <p:cNvGrpSpPr/>
+        <p:nvPr/>
+      </p:nvGrpSpPr>
+      <p:grpSpPr>
+        <a:xfrm>
+          <a:off x="0" y="0"/>
+          <a:ext cx="0" cy="0"/>
+          <a:chOff x="0" y="0"/>
+          <a:chExt cx="0" cy="0"/>
+        </a:xfrm>
+      </p:grpSpPr>
+      <p:sp>
+        <p:nvSpPr>
+          <p:cNvPr id="2" name="TextBox 1">
+            <a:extLst>
+              <a:ext uri="{FF2B5EF4-FFF2-40B4-BE49-F238E27FC236}">
+                <a16:creationId xmlns:a16="http://schemas.microsoft.com/office/drawing/2014/main" id="{D4E4AF33-0309-1192-A2E6-C376BBC44F41}"/>
+              </a:ext>
+            </a:extLst>
+          </p:cNvPr>
+          <p:cNvSpPr txBox="1"/>
+          <p:nvPr/>
+        </p:nvSpPr>
+        <p:spPr>
+          <a:xfrm>
+            <a:off x="3055433" y="1549420"/>
+            <a:ext cx="6081132" cy="523220"/>
+          </a:xfrm>
+          <a:prstGeom prst="rect">
+            <a:avLst/>
+          </a:prstGeom>
+          <a:noFill/>
+        </p:spPr>
+        <p:txBody>
+          <a:bodyPr wrap="square" rtlCol="0">
+            <a:spAutoFit/>
+          </a:bodyPr>
+          <a:lstStyle/>
+          <a:p>
+            <a:pPr algn="ctr"/>
+            <a:r>
+              <a:rPr lang="nl-NL" sz="2800" dirty="0">
+                <a:solidFill>
+                  <a:schemeClr val="bg1"/>
+                </a:solidFill>
+              </a:rPr>
+              <a:t>GitHub link</a:t>
+            </a:r>
+          </a:p>
+        </p:txBody>
+      </p:sp>
+      <p:pic>
+        <p:nvPicPr>
+          <p:cNvPr id="4" name="Graphic 3" descr="Cupcake with solid fill">
+            <a:hlinkClick r:id="rId2"/>
+            <a:extLst>
+              <a:ext uri="{FF2B5EF4-FFF2-40B4-BE49-F238E27FC236}">
+                <a16:creationId xmlns:a16="http://schemas.microsoft.com/office/drawing/2014/main" id="{C2269855-9EE7-7D5A-458D-996156FD41ED}"/>
+              </a:ext>
+            </a:extLst>
+          </p:cNvPr>
+          <p:cNvPicPr>
+            <a:picLocks noChangeAspect="1"/>
+          </p:cNvPicPr>
+          <p:nvPr/>
+        </p:nvPicPr>
+        <p:blipFill>
+          <a:blip r:embed="rId3">
+            <a:extLst>
+              <a:ext uri="{28A0092B-C50C-407E-A947-70E740481C1C}">
+                <a14:useLocalDpi xmlns:a14="http://schemas.microsoft.com/office/drawing/2010/main" val="0"/>
+              </a:ext>
+              <a:ext uri="{96DAC541-7B7A-43D3-8B79-37D633B846F1}">
+                <asvg:svgBlip xmlns:asvg="http://schemas.microsoft.com/office/drawing/2016/SVG/main" r:embed="rId4"/>
+              </a:ext>
+            </a:extLst>
+          </a:blip>
+          <a:stretch>
+            <a:fillRect/>
+          </a:stretch>
+        </p:blipFill>
+        <p:spPr>
+          <a:xfrm>
+            <a:off x="4716100" y="2072640"/>
+            <a:ext cx="2759797" cy="2759797"/>
+          </a:xfrm>
+          <a:prstGeom prst="rect">
+            <a:avLst/>
+          </a:prstGeom>
+        </p:spPr>
+      </p:pic>
+      <p:sp>
+        <p:nvSpPr>
+          <p:cNvPr id="5" name="TextBox 4">
+            <a:extLst>
+              <a:ext uri="{FF2B5EF4-FFF2-40B4-BE49-F238E27FC236}">
+                <a16:creationId xmlns:a16="http://schemas.microsoft.com/office/drawing/2014/main" id="{26513F84-0090-9381-3C0B-54CAF6B1F078}"/>
+              </a:ext>
+            </a:extLst>
+          </p:cNvPr>
+          <p:cNvSpPr txBox="1"/>
+          <p:nvPr/>
+        </p:nvSpPr>
+        <p:spPr>
+          <a:xfrm>
+            <a:off x="3055433" y="4570827"/>
+            <a:ext cx="6081132" cy="523220"/>
+          </a:xfrm>
+          <a:prstGeom prst="rect">
+            <a:avLst/>
+          </a:prstGeom>
+          <a:noFill/>
+        </p:spPr>
+        <p:txBody>
+          <a:bodyPr wrap="square" rtlCol="0">
+            <a:spAutoFit/>
+          </a:bodyPr>
+          <a:lstStyle/>
+          <a:p>
+            <a:pPr algn="ctr"/>
+            <a:r>
+              <a:rPr lang="nl-NL" sz="2800" dirty="0">
+                <a:solidFill>
+                  <a:schemeClr val="bg1"/>
+                </a:solidFill>
+              </a:rPr>
+              <a:t>Click </a:t>
+            </a:r>
+            <a:r>
+              <a:rPr lang="nl-NL" sz="2800" dirty="0" err="1">
+                <a:solidFill>
+                  <a:schemeClr val="bg1"/>
+                </a:solidFill>
+              </a:rPr>
+              <a:t>the</a:t>
+            </a:r>
+            <a:r>
+              <a:rPr lang="nl-NL" sz="2800" dirty="0">
+                <a:solidFill>
+                  <a:schemeClr val="bg1"/>
+                </a:solidFill>
+              </a:rPr>
+              <a:t> </a:t>
+            </a:r>
+            <a:r>
+              <a:rPr lang="nl-NL" sz="2800" dirty="0" err="1">
+                <a:solidFill>
+                  <a:schemeClr val="bg1"/>
+                </a:solidFill>
+              </a:rPr>
+              <a:t>cupcake</a:t>
+            </a:r>
+            <a:r>
+              <a:rPr lang="nl-NL" sz="2800" dirty="0">
+                <a:solidFill>
+                  <a:schemeClr val="bg1"/>
+                </a:solidFill>
+              </a:rPr>
+              <a:t>!</a:t>
+            </a:r>
+          </a:p>
+        </p:txBody>
+      </p:sp>
+    </p:spTree>
+    <p:extLst>
+      <p:ext uri="{BB962C8B-B14F-4D97-AF65-F5344CB8AC3E}">
+        <p14:creationId xmlns:p14="http://schemas.microsoft.com/office/powerpoint/2010/main" val="1068790333"/>
+      </p:ext>
+    </p:extLst>
+  </p:cSld>
+  <p:clrMapOvr>
+    <a:masterClrMapping/>
+  </p:clrMapOvr>
+</p:sld>
+</file>
+
+<file path=ppt/slides/slide7.xml><?xml version="1.0" encoding="utf-8"?>
+<p:sld xmlns:a="http://schemas.openxmlformats.org/drawingml/2006/main" xmlns:r="http://schemas.openxmlformats.org/officeDocument/2006/relationships" xmlns:p="http://schemas.openxmlformats.org/presentationml/2006/main">
+  <p:cSld>
+    <p:bg>
+      <p:bgPr>
+        <a:solidFill>
+          <a:srgbClr val="F7D9E6"/>
+        </a:solidFill>
+        <a:effectLst/>
+      </p:bgPr>
+    </p:bg>
+    <p:spTree>
+      <p:nvGrpSpPr>
+        <p:cNvPr id="1" name=""/>
+        <p:cNvGrpSpPr/>
+        <p:nvPr/>
+      </p:nvGrpSpPr>
+      <p:grpSpPr>
+        <a:xfrm>
+          <a:off x="0" y="0"/>
+          <a:ext cx="0" cy="0"/>
+          <a:chOff x="0" y="0"/>
+          <a:chExt cx="0" cy="0"/>
+        </a:xfrm>
+      </p:grpSpPr>
+      <p:sp>
+        <p:nvSpPr>
+          <p:cNvPr id="2" name="TextBox 1">
+            <a:extLst>
+              <a:ext uri="{FF2B5EF4-FFF2-40B4-BE49-F238E27FC236}">
+                <a16:creationId xmlns:a16="http://schemas.microsoft.com/office/drawing/2014/main" id="{7C5BD1A0-2344-1A52-8E7A-5CD3F6240B2E}"/>
+              </a:ext>
+            </a:extLst>
+          </p:cNvPr>
+          <p:cNvSpPr txBox="1"/>
+          <p:nvPr/>
+        </p:nvSpPr>
+        <p:spPr>
+          <a:xfrm>
+            <a:off x="4111083" y="2389757"/>
+            <a:ext cx="5255942" cy="1323439"/>
+          </a:xfrm>
+          <a:prstGeom prst="rect">
+            <a:avLst/>
+          </a:prstGeom>
+          <a:noFill/>
+        </p:spPr>
+        <p:txBody>
+          <a:bodyPr wrap="square" rtlCol="0">
+            <a:spAutoFit/>
+          </a:bodyPr>
+          <a:lstStyle/>
+          <a:p>
+            <a:r>
+              <a:rPr lang="nl-NL" sz="8000" dirty="0">
+                <a:solidFill>
+                  <a:schemeClr val="bg1"/>
+                </a:solidFill>
+              </a:rPr>
+              <a:t>The End</a:t>
+            </a:r>
+          </a:p>
+        </p:txBody>
+      </p:sp>
+    </p:spTree>
+    <p:extLst>
+      <p:ext uri="{BB962C8B-B14F-4D97-AF65-F5344CB8AC3E}">
+        <p14:creationId xmlns:p14="http://schemas.microsoft.com/office/powerpoint/2010/main" val="202455686"/>
       </p:ext>
     </p:extLst>
   </p:cSld>

--- a/M1BO_HelloYou_Presentatie.pptx
+++ b/M1BO_HelloYou_Presentatie.pptx
@@ -121,7 +121,7 @@
 <file path=ppt/revisionInfo.xml><?xml version="1.0" encoding="utf-8"?>
 <p1510:revInfo xmlns:a="http://schemas.openxmlformats.org/drawingml/2006/main" xmlns:r="http://schemas.openxmlformats.org/officeDocument/2006/relationships" xmlns:p1510="http://schemas.microsoft.com/office/powerpoint/2015/10/main">
   <p1510:revLst>
-    <p1510:client id="{CCB5F5CF-8DB9-44F9-BB3B-044C402215CB}" v="48" dt="2022-11-10T20:07:02.112"/>
+    <p1510:client id="{CCB5F5CF-8DB9-44F9-BB3B-044C402215CB}" v="69" dt="2022-11-11T12:01:46.518"/>
   </p1510:revLst>
 </p1510:revInfo>
 </file>
@@ -131,7 +131,7 @@
   <pc:docChgLst>
     <pc:chgData name="Eliza Voets" userId="fde18923-504f-406d-b9f4-9b76773e789d" providerId="ADAL" clId="{CCB5F5CF-8DB9-44F9-BB3B-044C402215CB}"/>
     <pc:docChg chg="undo custSel addSld modSld">
-      <pc:chgData name="Eliza Voets" userId="fde18923-504f-406d-b9f4-9b76773e789d" providerId="ADAL" clId="{CCB5F5CF-8DB9-44F9-BB3B-044C402215CB}" dt="2022-11-10T20:07:20.636" v="2006" actId="207"/>
+      <pc:chgData name="Eliza Voets" userId="fde18923-504f-406d-b9f4-9b76773e789d" providerId="ADAL" clId="{CCB5F5CF-8DB9-44F9-BB3B-044C402215CB}" dt="2022-11-11T12:01:46.518" v="2059"/>
       <pc:docMkLst>
         <pc:docMk/>
       </pc:docMkLst>
@@ -198,8 +198,8 @@
           </ac:picMkLst>
         </pc:picChg>
       </pc:sldChg>
-      <pc:sldChg chg="addSp delSp modSp new mod setBg">
-        <pc:chgData name="Eliza Voets" userId="fde18923-504f-406d-b9f4-9b76773e789d" providerId="ADAL" clId="{CCB5F5CF-8DB9-44F9-BB3B-044C402215CB}" dt="2022-11-05T09:21:54.106" v="684" actId="1076"/>
+      <pc:sldChg chg="addSp delSp modSp new mod setBg modAnim">
+        <pc:chgData name="Eliza Voets" userId="fde18923-504f-406d-b9f4-9b76773e789d" providerId="ADAL" clId="{CCB5F5CF-8DB9-44F9-BB3B-044C402215CB}" dt="2022-11-11T11:58:49.294" v="2044"/>
         <pc:sldMkLst>
           <pc:docMk/>
           <pc:sldMk cId="1464615559" sldId="257"/>
@@ -229,7 +229,7 @@
           </ac:spMkLst>
         </pc:spChg>
         <pc:spChg chg="add mod">
-          <ac:chgData name="Eliza Voets" userId="fde18923-504f-406d-b9f4-9b76773e789d" providerId="ADAL" clId="{CCB5F5CF-8DB9-44F9-BB3B-044C402215CB}" dt="2022-11-05T09:11:18.134" v="536" actId="20577"/>
+          <ac:chgData name="Eliza Voets" userId="fde18923-504f-406d-b9f4-9b76773e789d" providerId="ADAL" clId="{CCB5F5CF-8DB9-44F9-BB3B-044C402215CB}" dt="2022-11-11T11:54:13.048" v="2024" actId="20577"/>
           <ac:spMkLst>
             <pc:docMk/>
             <pc:sldMk cId="1464615559" sldId="257"/>
@@ -253,8 +253,8 @@
           </ac:picMkLst>
         </pc:picChg>
       </pc:sldChg>
-      <pc:sldChg chg="addSp delSp modSp new mod setBg">
-        <pc:chgData name="Eliza Voets" userId="fde18923-504f-406d-b9f4-9b76773e789d" providerId="ADAL" clId="{CCB5F5CF-8DB9-44F9-BB3B-044C402215CB}" dt="2022-11-05T09:33:35.723" v="801" actId="1076"/>
+      <pc:sldChg chg="addSp delSp modSp new mod setBg modAnim">
+        <pc:chgData name="Eliza Voets" userId="fde18923-504f-406d-b9f4-9b76773e789d" providerId="ADAL" clId="{CCB5F5CF-8DB9-44F9-BB3B-044C402215CB}" dt="2022-11-11T11:59:32.751" v="2054"/>
         <pc:sldMkLst>
           <pc:docMk/>
           <pc:sldMk cId="3152321736" sldId="258"/>
@@ -276,7 +276,7 @@
           </ac:spMkLst>
         </pc:spChg>
         <pc:spChg chg="add mod">
-          <ac:chgData name="Eliza Voets" userId="fde18923-504f-406d-b9f4-9b76773e789d" providerId="ADAL" clId="{CCB5F5CF-8DB9-44F9-BB3B-044C402215CB}" dt="2022-11-05T09:17:47.739" v="621" actId="20577"/>
+          <ac:chgData name="Eliza Voets" userId="fde18923-504f-406d-b9f4-9b76773e789d" providerId="ADAL" clId="{CCB5F5CF-8DB9-44F9-BB3B-044C402215CB}" dt="2022-11-11T11:54:20.472" v="2038" actId="20577"/>
           <ac:spMkLst>
             <pc:docMk/>
             <pc:sldMk cId="3152321736" sldId="258"/>
@@ -460,8 +460,8 @@
           </ac:picMkLst>
         </pc:picChg>
       </pc:sldChg>
-      <pc:sldChg chg="addSp delSp modSp new mod setBg">
-        <pc:chgData name="Eliza Voets" userId="fde18923-504f-406d-b9f4-9b76773e789d" providerId="ADAL" clId="{CCB5F5CF-8DB9-44F9-BB3B-044C402215CB}" dt="2022-11-10T08:30:47.899" v="1848" actId="20577"/>
+      <pc:sldChg chg="addSp delSp modSp new mod setBg modAnim">
+        <pc:chgData name="Eliza Voets" userId="fde18923-504f-406d-b9f4-9b76773e789d" providerId="ADAL" clId="{CCB5F5CF-8DB9-44F9-BB3B-044C402215CB}" dt="2022-11-11T12:01:46.518" v="2059"/>
         <pc:sldMkLst>
           <pc:docMk/>
           <pc:sldMk cId="3805456022" sldId="259"/>
@@ -778,7 +778,7 @@
           <a:p>
             <a:fld id="{7031D498-3278-4CDE-A227-83D9689419D2}" type="datetimeFigureOut">
               <a:rPr lang="nl-NL" smtClean="0"/>
-              <a:t>10-11-2022</a:t>
+              <a:t>11-11-2022</a:t>
             </a:fld>
             <a:endParaRPr lang="nl-NL"/>
           </a:p>
@@ -978,7 +978,7 @@
           <a:p>
             <a:fld id="{7031D498-3278-4CDE-A227-83D9689419D2}" type="datetimeFigureOut">
               <a:rPr lang="nl-NL" smtClean="0"/>
-              <a:t>10-11-2022</a:t>
+              <a:t>11-11-2022</a:t>
             </a:fld>
             <a:endParaRPr lang="nl-NL"/>
           </a:p>
@@ -1188,7 +1188,7 @@
           <a:p>
             <a:fld id="{7031D498-3278-4CDE-A227-83D9689419D2}" type="datetimeFigureOut">
               <a:rPr lang="nl-NL" smtClean="0"/>
-              <a:t>10-11-2022</a:t>
+              <a:t>11-11-2022</a:t>
             </a:fld>
             <a:endParaRPr lang="nl-NL"/>
           </a:p>
@@ -1388,7 +1388,7 @@
           <a:p>
             <a:fld id="{7031D498-3278-4CDE-A227-83D9689419D2}" type="datetimeFigureOut">
               <a:rPr lang="nl-NL" smtClean="0"/>
-              <a:t>10-11-2022</a:t>
+              <a:t>11-11-2022</a:t>
             </a:fld>
             <a:endParaRPr lang="nl-NL"/>
           </a:p>
@@ -1664,7 +1664,7 @@
           <a:p>
             <a:fld id="{7031D498-3278-4CDE-A227-83D9689419D2}" type="datetimeFigureOut">
               <a:rPr lang="nl-NL" smtClean="0"/>
-              <a:t>10-11-2022</a:t>
+              <a:t>11-11-2022</a:t>
             </a:fld>
             <a:endParaRPr lang="nl-NL"/>
           </a:p>
@@ -1932,7 +1932,7 @@
           <a:p>
             <a:fld id="{7031D498-3278-4CDE-A227-83D9689419D2}" type="datetimeFigureOut">
               <a:rPr lang="nl-NL" smtClean="0"/>
-              <a:t>10-11-2022</a:t>
+              <a:t>11-11-2022</a:t>
             </a:fld>
             <a:endParaRPr lang="nl-NL"/>
           </a:p>
@@ -2347,7 +2347,7 @@
           <a:p>
             <a:fld id="{7031D498-3278-4CDE-A227-83D9689419D2}" type="datetimeFigureOut">
               <a:rPr lang="nl-NL" smtClean="0"/>
-              <a:t>10-11-2022</a:t>
+              <a:t>11-11-2022</a:t>
             </a:fld>
             <a:endParaRPr lang="nl-NL"/>
           </a:p>
@@ -2489,7 +2489,7 @@
           <a:p>
             <a:fld id="{7031D498-3278-4CDE-A227-83D9689419D2}" type="datetimeFigureOut">
               <a:rPr lang="nl-NL" smtClean="0"/>
-              <a:t>10-11-2022</a:t>
+              <a:t>11-11-2022</a:t>
             </a:fld>
             <a:endParaRPr lang="nl-NL"/>
           </a:p>
@@ -2602,7 +2602,7 @@
           <a:p>
             <a:fld id="{7031D498-3278-4CDE-A227-83D9689419D2}" type="datetimeFigureOut">
               <a:rPr lang="nl-NL" smtClean="0"/>
-              <a:t>10-11-2022</a:t>
+              <a:t>11-11-2022</a:t>
             </a:fld>
             <a:endParaRPr lang="nl-NL"/>
           </a:p>
@@ -2915,7 +2915,7 @@
           <a:p>
             <a:fld id="{7031D498-3278-4CDE-A227-83D9689419D2}" type="datetimeFigureOut">
               <a:rPr lang="nl-NL" smtClean="0"/>
-              <a:t>10-11-2022</a:t>
+              <a:t>11-11-2022</a:t>
             </a:fld>
             <a:endParaRPr lang="nl-NL"/>
           </a:p>
@@ -3204,7 +3204,7 @@
           <a:p>
             <a:fld id="{7031D498-3278-4CDE-A227-83D9689419D2}" type="datetimeFigureOut">
               <a:rPr lang="nl-NL" smtClean="0"/>
-              <a:t>10-11-2022</a:t>
+              <a:t>11-11-2022</a:t>
             </a:fld>
             <a:endParaRPr lang="nl-NL"/>
           </a:p>
@@ -3447,7 +3447,7 @@
           <a:p>
             <a:fld id="{7031D498-3278-4CDE-A227-83D9689419D2}" type="datetimeFigureOut">
               <a:rPr lang="nl-NL" smtClean="0"/>
-              <a:t>10-11-2022</a:t>
+              <a:t>11-11-2022</a:t>
             </a:fld>
             <a:endParaRPr lang="nl-NL"/>
           </a:p>
@@ -4354,7 +4354,7 @@
                 </a:solidFill>
                 <a:latin typeface="Comic Sans MS" panose="030F0702030302020204" pitchFamily="66" charset="0"/>
               </a:rPr>
-              <a:t> Aanleiding</a:t>
+              <a:t> Aanleiding van het thema</a:t>
             </a:r>
           </a:p>
           <a:p>
@@ -4538,6 +4538,485 @@
   <p:clrMapOvr>
     <a:masterClrMapping/>
   </p:clrMapOvr>
+  <p:timing>
+    <p:tnLst>
+      <p:par>
+        <p:cTn id="1" dur="indefinite" restart="never" nodeType="tmRoot">
+          <p:childTnLst>
+            <p:seq concurrent="1" nextAc="seek">
+              <p:cTn id="2" dur="indefinite" nodeType="mainSeq">
+                <p:childTnLst>
+                  <p:par>
+                    <p:cTn id="3" fill="hold">
+                      <p:stCondLst>
+                        <p:cond delay="indefinite"/>
+                      </p:stCondLst>
+                      <p:childTnLst>
+                        <p:par>
+                          <p:cTn id="4" fill="hold">
+                            <p:stCondLst>
+                              <p:cond delay="0"/>
+                            </p:stCondLst>
+                            <p:childTnLst>
+                              <p:par>
+                                <p:cTn id="5" presetID="1" presetClass="entr" presetSubtype="0" fill="hold" nodeType="clickEffect">
+                                  <p:stCondLst>
+                                    <p:cond delay="0"/>
+                                  </p:stCondLst>
+                                  <p:childTnLst>
+                                    <p:set>
+                                      <p:cBhvr>
+                                        <p:cTn id="6" dur="1" fill="hold">
+                                          <p:stCondLst>
+                                            <p:cond delay="0"/>
+                                          </p:stCondLst>
+                                        </p:cTn>
+                                        <p:tgtEl>
+                                          <p:spTgt spid="6">
+                                            <p:txEl>
+                                              <p:pRg st="0" end="0"/>
+                                            </p:txEl>
+                                          </p:spTgt>
+                                        </p:tgtEl>
+                                        <p:attrNameLst>
+                                          <p:attrName>style.visibility</p:attrName>
+                                        </p:attrNameLst>
+                                      </p:cBhvr>
+                                      <p:to>
+                                        <p:strVal val="visible"/>
+                                      </p:to>
+                                    </p:set>
+                                  </p:childTnLst>
+                                </p:cTn>
+                              </p:par>
+                              <p:par>
+                                <p:cTn id="7" presetID="1" presetClass="entr" presetSubtype="0" fill="hold" nodeType="withEffect">
+                                  <p:stCondLst>
+                                    <p:cond delay="0"/>
+                                  </p:stCondLst>
+                                  <p:childTnLst>
+                                    <p:set>
+                                      <p:cBhvr>
+                                        <p:cTn id="8" dur="1" fill="hold">
+                                          <p:stCondLst>
+                                            <p:cond delay="0"/>
+                                          </p:stCondLst>
+                                        </p:cTn>
+                                        <p:tgtEl>
+                                          <p:spTgt spid="6">
+                                            <p:txEl>
+                                              <p:pRg st="1" end="1"/>
+                                            </p:txEl>
+                                          </p:spTgt>
+                                        </p:tgtEl>
+                                        <p:attrNameLst>
+                                          <p:attrName>style.visibility</p:attrName>
+                                        </p:attrNameLst>
+                                      </p:cBhvr>
+                                      <p:to>
+                                        <p:strVal val="visible"/>
+                                      </p:to>
+                                    </p:set>
+                                  </p:childTnLst>
+                                </p:cTn>
+                              </p:par>
+                            </p:childTnLst>
+                          </p:cTn>
+                        </p:par>
+                      </p:childTnLst>
+                    </p:cTn>
+                  </p:par>
+                  <p:par>
+                    <p:cTn id="9" fill="hold">
+                      <p:stCondLst>
+                        <p:cond delay="indefinite"/>
+                      </p:stCondLst>
+                      <p:childTnLst>
+                        <p:par>
+                          <p:cTn id="10" fill="hold">
+                            <p:stCondLst>
+                              <p:cond delay="0"/>
+                            </p:stCondLst>
+                            <p:childTnLst>
+                              <p:par>
+                                <p:cTn id="11" presetID="1" presetClass="entr" presetSubtype="0" fill="hold" nodeType="clickEffect">
+                                  <p:stCondLst>
+                                    <p:cond delay="0"/>
+                                  </p:stCondLst>
+                                  <p:childTnLst>
+                                    <p:set>
+                                      <p:cBhvr>
+                                        <p:cTn id="12" dur="1" fill="hold">
+                                          <p:stCondLst>
+                                            <p:cond delay="0"/>
+                                          </p:stCondLst>
+                                        </p:cTn>
+                                        <p:tgtEl>
+                                          <p:spTgt spid="6">
+                                            <p:txEl>
+                                              <p:pRg st="3" end="3"/>
+                                            </p:txEl>
+                                          </p:spTgt>
+                                        </p:tgtEl>
+                                        <p:attrNameLst>
+                                          <p:attrName>style.visibility</p:attrName>
+                                        </p:attrNameLst>
+                                      </p:cBhvr>
+                                      <p:to>
+                                        <p:strVal val="visible"/>
+                                      </p:to>
+                                    </p:set>
+                                  </p:childTnLst>
+                                </p:cTn>
+                              </p:par>
+                              <p:par>
+                                <p:cTn id="13" presetID="1" presetClass="entr" presetSubtype="0" fill="hold" nodeType="withEffect">
+                                  <p:stCondLst>
+                                    <p:cond delay="0"/>
+                                  </p:stCondLst>
+                                  <p:childTnLst>
+                                    <p:set>
+                                      <p:cBhvr>
+                                        <p:cTn id="14" dur="1" fill="hold">
+                                          <p:stCondLst>
+                                            <p:cond delay="0"/>
+                                          </p:stCondLst>
+                                        </p:cTn>
+                                        <p:tgtEl>
+                                          <p:spTgt spid="6">
+                                            <p:txEl>
+                                              <p:pRg st="4" end="4"/>
+                                            </p:txEl>
+                                          </p:spTgt>
+                                        </p:tgtEl>
+                                        <p:attrNameLst>
+                                          <p:attrName>style.visibility</p:attrName>
+                                        </p:attrNameLst>
+                                      </p:cBhvr>
+                                      <p:to>
+                                        <p:strVal val="visible"/>
+                                      </p:to>
+                                    </p:set>
+                                  </p:childTnLst>
+                                </p:cTn>
+                              </p:par>
+                              <p:par>
+                                <p:cTn id="15" presetID="1" presetClass="entr" presetSubtype="0" fill="hold" nodeType="withEffect">
+                                  <p:stCondLst>
+                                    <p:cond delay="0"/>
+                                  </p:stCondLst>
+                                  <p:childTnLst>
+                                    <p:set>
+                                      <p:cBhvr>
+                                        <p:cTn id="16" dur="1" fill="hold">
+                                          <p:stCondLst>
+                                            <p:cond delay="0"/>
+                                          </p:stCondLst>
+                                        </p:cTn>
+                                        <p:tgtEl>
+                                          <p:spTgt spid="6">
+                                            <p:txEl>
+                                              <p:pRg st="5" end="5"/>
+                                            </p:txEl>
+                                          </p:spTgt>
+                                        </p:tgtEl>
+                                        <p:attrNameLst>
+                                          <p:attrName>style.visibility</p:attrName>
+                                        </p:attrNameLst>
+                                      </p:cBhvr>
+                                      <p:to>
+                                        <p:strVal val="visible"/>
+                                      </p:to>
+                                    </p:set>
+                                  </p:childTnLst>
+                                </p:cTn>
+                              </p:par>
+                            </p:childTnLst>
+                          </p:cTn>
+                        </p:par>
+                      </p:childTnLst>
+                    </p:cTn>
+                  </p:par>
+                  <p:par>
+                    <p:cTn id="17" fill="hold">
+                      <p:stCondLst>
+                        <p:cond delay="indefinite"/>
+                      </p:stCondLst>
+                      <p:childTnLst>
+                        <p:par>
+                          <p:cTn id="18" fill="hold">
+                            <p:stCondLst>
+                              <p:cond delay="0"/>
+                            </p:stCondLst>
+                            <p:childTnLst>
+                              <p:par>
+                                <p:cTn id="19" presetID="1" presetClass="entr" presetSubtype="0" fill="hold" nodeType="clickEffect">
+                                  <p:stCondLst>
+                                    <p:cond delay="0"/>
+                                  </p:stCondLst>
+                                  <p:childTnLst>
+                                    <p:set>
+                                      <p:cBhvr>
+                                        <p:cTn id="20" dur="1" fill="hold">
+                                          <p:stCondLst>
+                                            <p:cond delay="0"/>
+                                          </p:stCondLst>
+                                        </p:cTn>
+                                        <p:tgtEl>
+                                          <p:spTgt spid="6">
+                                            <p:txEl>
+                                              <p:pRg st="7" end="7"/>
+                                            </p:txEl>
+                                          </p:spTgt>
+                                        </p:tgtEl>
+                                        <p:attrNameLst>
+                                          <p:attrName>style.visibility</p:attrName>
+                                        </p:attrNameLst>
+                                      </p:cBhvr>
+                                      <p:to>
+                                        <p:strVal val="visible"/>
+                                      </p:to>
+                                    </p:set>
+                                  </p:childTnLst>
+                                </p:cTn>
+                              </p:par>
+                              <p:par>
+                                <p:cTn id="21" presetID="1" presetClass="entr" presetSubtype="0" fill="hold" nodeType="withEffect">
+                                  <p:stCondLst>
+                                    <p:cond delay="0"/>
+                                  </p:stCondLst>
+                                  <p:childTnLst>
+                                    <p:set>
+                                      <p:cBhvr>
+                                        <p:cTn id="22" dur="1" fill="hold">
+                                          <p:stCondLst>
+                                            <p:cond delay="0"/>
+                                          </p:stCondLst>
+                                        </p:cTn>
+                                        <p:tgtEl>
+                                          <p:spTgt spid="6">
+                                            <p:txEl>
+                                              <p:pRg st="8" end="8"/>
+                                            </p:txEl>
+                                          </p:spTgt>
+                                        </p:tgtEl>
+                                        <p:attrNameLst>
+                                          <p:attrName>style.visibility</p:attrName>
+                                        </p:attrNameLst>
+                                      </p:cBhvr>
+                                      <p:to>
+                                        <p:strVal val="visible"/>
+                                      </p:to>
+                                    </p:set>
+                                  </p:childTnLst>
+                                </p:cTn>
+                              </p:par>
+                              <p:par>
+                                <p:cTn id="23" presetID="1" presetClass="entr" presetSubtype="0" fill="hold" nodeType="withEffect">
+                                  <p:stCondLst>
+                                    <p:cond delay="0"/>
+                                  </p:stCondLst>
+                                  <p:childTnLst>
+                                    <p:set>
+                                      <p:cBhvr>
+                                        <p:cTn id="24" dur="1" fill="hold">
+                                          <p:stCondLst>
+                                            <p:cond delay="0"/>
+                                          </p:stCondLst>
+                                        </p:cTn>
+                                        <p:tgtEl>
+                                          <p:spTgt spid="6">
+                                            <p:txEl>
+                                              <p:pRg st="9" end="9"/>
+                                            </p:txEl>
+                                          </p:spTgt>
+                                        </p:tgtEl>
+                                        <p:attrNameLst>
+                                          <p:attrName>style.visibility</p:attrName>
+                                        </p:attrNameLst>
+                                      </p:cBhvr>
+                                      <p:to>
+                                        <p:strVal val="visible"/>
+                                      </p:to>
+                                    </p:set>
+                                  </p:childTnLst>
+                                </p:cTn>
+                              </p:par>
+                            </p:childTnLst>
+                          </p:cTn>
+                        </p:par>
+                      </p:childTnLst>
+                    </p:cTn>
+                  </p:par>
+                  <p:par>
+                    <p:cTn id="25" fill="hold">
+                      <p:stCondLst>
+                        <p:cond delay="indefinite"/>
+                      </p:stCondLst>
+                      <p:childTnLst>
+                        <p:par>
+                          <p:cTn id="26" fill="hold">
+                            <p:stCondLst>
+                              <p:cond delay="0"/>
+                            </p:stCondLst>
+                            <p:childTnLst>
+                              <p:par>
+                                <p:cTn id="27" presetID="1" presetClass="entr" presetSubtype="0" fill="hold" nodeType="clickEffect">
+                                  <p:stCondLst>
+                                    <p:cond delay="0"/>
+                                  </p:stCondLst>
+                                  <p:childTnLst>
+                                    <p:set>
+                                      <p:cBhvr>
+                                        <p:cTn id="28" dur="1" fill="hold">
+                                          <p:stCondLst>
+                                            <p:cond delay="0"/>
+                                          </p:stCondLst>
+                                        </p:cTn>
+                                        <p:tgtEl>
+                                          <p:spTgt spid="6">
+                                            <p:txEl>
+                                              <p:pRg st="11" end="11"/>
+                                            </p:txEl>
+                                          </p:spTgt>
+                                        </p:tgtEl>
+                                        <p:attrNameLst>
+                                          <p:attrName>style.visibility</p:attrName>
+                                        </p:attrNameLst>
+                                      </p:cBhvr>
+                                      <p:to>
+                                        <p:strVal val="visible"/>
+                                      </p:to>
+                                    </p:set>
+                                  </p:childTnLst>
+                                </p:cTn>
+                              </p:par>
+                            </p:childTnLst>
+                          </p:cTn>
+                        </p:par>
+                      </p:childTnLst>
+                    </p:cTn>
+                  </p:par>
+                  <p:par>
+                    <p:cTn id="29" fill="hold">
+                      <p:stCondLst>
+                        <p:cond delay="indefinite"/>
+                      </p:stCondLst>
+                      <p:childTnLst>
+                        <p:par>
+                          <p:cTn id="30" fill="hold">
+                            <p:stCondLst>
+                              <p:cond delay="0"/>
+                            </p:stCondLst>
+                            <p:childTnLst>
+                              <p:par>
+                                <p:cTn id="31" presetID="1" presetClass="entr" presetSubtype="0" fill="hold" nodeType="clickEffect">
+                                  <p:stCondLst>
+                                    <p:cond delay="0"/>
+                                  </p:stCondLst>
+                                  <p:childTnLst>
+                                    <p:set>
+                                      <p:cBhvr>
+                                        <p:cTn id="32" dur="1" fill="hold">
+                                          <p:stCondLst>
+                                            <p:cond delay="0"/>
+                                          </p:stCondLst>
+                                        </p:cTn>
+                                        <p:tgtEl>
+                                          <p:spTgt spid="6">
+                                            <p:txEl>
+                                              <p:pRg st="12" end="12"/>
+                                            </p:txEl>
+                                          </p:spTgt>
+                                        </p:tgtEl>
+                                        <p:attrNameLst>
+                                          <p:attrName>style.visibility</p:attrName>
+                                        </p:attrNameLst>
+                                      </p:cBhvr>
+                                      <p:to>
+                                        <p:strVal val="visible"/>
+                                      </p:to>
+                                    </p:set>
+                                  </p:childTnLst>
+                                </p:cTn>
+                              </p:par>
+                            </p:childTnLst>
+                          </p:cTn>
+                        </p:par>
+                      </p:childTnLst>
+                    </p:cTn>
+                  </p:par>
+                  <p:par>
+                    <p:cTn id="33" fill="hold">
+                      <p:stCondLst>
+                        <p:cond delay="indefinite"/>
+                      </p:stCondLst>
+                      <p:childTnLst>
+                        <p:par>
+                          <p:cTn id="34" fill="hold">
+                            <p:stCondLst>
+                              <p:cond delay="0"/>
+                            </p:stCondLst>
+                            <p:childTnLst>
+                              <p:par>
+                                <p:cTn id="35" presetID="1" presetClass="entr" presetSubtype="0" fill="hold" nodeType="clickEffect">
+                                  <p:stCondLst>
+                                    <p:cond delay="0"/>
+                                  </p:stCondLst>
+                                  <p:childTnLst>
+                                    <p:set>
+                                      <p:cBhvr>
+                                        <p:cTn id="36" dur="1" fill="hold">
+                                          <p:stCondLst>
+                                            <p:cond delay="0"/>
+                                          </p:stCondLst>
+                                        </p:cTn>
+                                        <p:tgtEl>
+                                          <p:spTgt spid="6">
+                                            <p:txEl>
+                                              <p:pRg st="13" end="13"/>
+                                            </p:txEl>
+                                          </p:spTgt>
+                                        </p:tgtEl>
+                                        <p:attrNameLst>
+                                          <p:attrName>style.visibility</p:attrName>
+                                        </p:attrNameLst>
+                                      </p:cBhvr>
+                                      <p:to>
+                                        <p:strVal val="visible"/>
+                                      </p:to>
+                                    </p:set>
+                                  </p:childTnLst>
+                                </p:cTn>
+                              </p:par>
+                            </p:childTnLst>
+                          </p:cTn>
+                        </p:par>
+                      </p:childTnLst>
+                    </p:cTn>
+                  </p:par>
+                </p:childTnLst>
+              </p:cTn>
+              <p:prevCondLst>
+                <p:cond evt="onPrev" delay="0">
+                  <p:tgtEl>
+                    <p:sldTgt/>
+                  </p:tgtEl>
+                </p:cond>
+              </p:prevCondLst>
+              <p:nextCondLst>
+                <p:cond evt="onNext" delay="0">
+                  <p:tgtEl>
+                    <p:sldTgt/>
+                  </p:tgtEl>
+                </p:cond>
+              </p:nextCondLst>
+            </p:seq>
+          </p:childTnLst>
+        </p:cTn>
+      </p:par>
+    </p:tnLst>
+  </p:timing>
 </p:sld>
 </file>
 
@@ -4675,7 +5154,7 @@
                 </a:solidFill>
                 <a:latin typeface="Comic Sans MS" panose="030F0702030302020204" pitchFamily="66" charset="0"/>
               </a:rPr>
-              <a:t>Aanleiding</a:t>
+              <a:t>Aanleiding van het thema</a:t>
             </a:r>
             <a:endParaRPr lang="nl-NL" sz="2000" dirty="0">
               <a:solidFill>
@@ -5425,6 +5904,448 @@
   <p:clrMapOvr>
     <a:masterClrMapping/>
   </p:clrMapOvr>
+  <p:timing>
+    <p:tnLst>
+      <p:par>
+        <p:cTn id="1" dur="indefinite" restart="never" nodeType="tmRoot">
+          <p:childTnLst>
+            <p:seq concurrent="1" nextAc="seek">
+              <p:cTn id="2" dur="indefinite" nodeType="mainSeq">
+                <p:childTnLst>
+                  <p:par>
+                    <p:cTn id="3" fill="hold">
+                      <p:stCondLst>
+                        <p:cond delay="indefinite"/>
+                      </p:stCondLst>
+                      <p:childTnLst>
+                        <p:par>
+                          <p:cTn id="4" fill="hold">
+                            <p:stCondLst>
+                              <p:cond delay="0"/>
+                            </p:stCondLst>
+                            <p:childTnLst>
+                              <p:par>
+                                <p:cTn id="5" presetID="2" presetClass="entr" presetSubtype="8" fill="hold" nodeType="clickEffect">
+                                  <p:stCondLst>
+                                    <p:cond delay="0"/>
+                                  </p:stCondLst>
+                                  <p:childTnLst>
+                                    <p:set>
+                                      <p:cBhvr>
+                                        <p:cTn id="6" dur="1" fill="hold">
+                                          <p:stCondLst>
+                                            <p:cond delay="0"/>
+                                          </p:stCondLst>
+                                        </p:cTn>
+                                        <p:tgtEl>
+                                          <p:spTgt spid="5">
+                                            <p:txEl>
+                                              <p:pRg st="0" end="0"/>
+                                            </p:txEl>
+                                          </p:spTgt>
+                                        </p:tgtEl>
+                                        <p:attrNameLst>
+                                          <p:attrName>style.visibility</p:attrName>
+                                        </p:attrNameLst>
+                                      </p:cBhvr>
+                                      <p:to>
+                                        <p:strVal val="visible"/>
+                                      </p:to>
+                                    </p:set>
+                                    <p:anim calcmode="lin" valueType="num">
+                                      <p:cBhvr additive="base">
+                                        <p:cTn id="7" dur="500" fill="hold"/>
+                                        <p:tgtEl>
+                                          <p:spTgt spid="5">
+                                            <p:txEl>
+                                              <p:pRg st="0" end="0"/>
+                                            </p:txEl>
+                                          </p:spTgt>
+                                        </p:tgtEl>
+                                        <p:attrNameLst>
+                                          <p:attrName>ppt_x</p:attrName>
+                                        </p:attrNameLst>
+                                      </p:cBhvr>
+                                      <p:tavLst>
+                                        <p:tav tm="0">
+                                          <p:val>
+                                            <p:strVal val="0-#ppt_w/2"/>
+                                          </p:val>
+                                        </p:tav>
+                                        <p:tav tm="100000">
+                                          <p:val>
+                                            <p:strVal val="#ppt_x"/>
+                                          </p:val>
+                                        </p:tav>
+                                      </p:tavLst>
+                                    </p:anim>
+                                    <p:anim calcmode="lin" valueType="num">
+                                      <p:cBhvr additive="base">
+                                        <p:cTn id="8" dur="500" fill="hold"/>
+                                        <p:tgtEl>
+                                          <p:spTgt spid="5">
+                                            <p:txEl>
+                                              <p:pRg st="0" end="0"/>
+                                            </p:txEl>
+                                          </p:spTgt>
+                                        </p:tgtEl>
+                                        <p:attrNameLst>
+                                          <p:attrName>ppt_y</p:attrName>
+                                        </p:attrNameLst>
+                                      </p:cBhvr>
+                                      <p:tavLst>
+                                        <p:tav tm="0">
+                                          <p:val>
+                                            <p:strVal val="#ppt_y"/>
+                                          </p:val>
+                                        </p:tav>
+                                        <p:tav tm="100000">
+                                          <p:val>
+                                            <p:strVal val="#ppt_y"/>
+                                          </p:val>
+                                        </p:tav>
+                                      </p:tavLst>
+                                    </p:anim>
+                                  </p:childTnLst>
+                                </p:cTn>
+                              </p:par>
+                            </p:childTnLst>
+                          </p:cTn>
+                        </p:par>
+                      </p:childTnLst>
+                    </p:cTn>
+                  </p:par>
+                  <p:par>
+                    <p:cTn id="9" fill="hold">
+                      <p:stCondLst>
+                        <p:cond delay="indefinite"/>
+                      </p:stCondLst>
+                      <p:childTnLst>
+                        <p:par>
+                          <p:cTn id="10" fill="hold">
+                            <p:stCondLst>
+                              <p:cond delay="0"/>
+                            </p:stCondLst>
+                            <p:childTnLst>
+                              <p:par>
+                                <p:cTn id="11" presetID="2" presetClass="entr" presetSubtype="8" fill="hold" nodeType="clickEffect">
+                                  <p:stCondLst>
+                                    <p:cond delay="0"/>
+                                  </p:stCondLst>
+                                  <p:childTnLst>
+                                    <p:set>
+                                      <p:cBhvr>
+                                        <p:cTn id="12" dur="1" fill="hold">
+                                          <p:stCondLst>
+                                            <p:cond delay="0"/>
+                                          </p:stCondLst>
+                                        </p:cTn>
+                                        <p:tgtEl>
+                                          <p:spTgt spid="5">
+                                            <p:txEl>
+                                              <p:pRg st="2" end="2"/>
+                                            </p:txEl>
+                                          </p:spTgt>
+                                        </p:tgtEl>
+                                        <p:attrNameLst>
+                                          <p:attrName>style.visibility</p:attrName>
+                                        </p:attrNameLst>
+                                      </p:cBhvr>
+                                      <p:to>
+                                        <p:strVal val="visible"/>
+                                      </p:to>
+                                    </p:set>
+                                    <p:anim calcmode="lin" valueType="num">
+                                      <p:cBhvr additive="base">
+                                        <p:cTn id="13" dur="500" fill="hold"/>
+                                        <p:tgtEl>
+                                          <p:spTgt spid="5">
+                                            <p:txEl>
+                                              <p:pRg st="2" end="2"/>
+                                            </p:txEl>
+                                          </p:spTgt>
+                                        </p:tgtEl>
+                                        <p:attrNameLst>
+                                          <p:attrName>ppt_x</p:attrName>
+                                        </p:attrNameLst>
+                                      </p:cBhvr>
+                                      <p:tavLst>
+                                        <p:tav tm="0">
+                                          <p:val>
+                                            <p:strVal val="0-#ppt_w/2"/>
+                                          </p:val>
+                                        </p:tav>
+                                        <p:tav tm="100000">
+                                          <p:val>
+                                            <p:strVal val="#ppt_x"/>
+                                          </p:val>
+                                        </p:tav>
+                                      </p:tavLst>
+                                    </p:anim>
+                                    <p:anim calcmode="lin" valueType="num">
+                                      <p:cBhvr additive="base">
+                                        <p:cTn id="14" dur="500" fill="hold"/>
+                                        <p:tgtEl>
+                                          <p:spTgt spid="5">
+                                            <p:txEl>
+                                              <p:pRg st="2" end="2"/>
+                                            </p:txEl>
+                                          </p:spTgt>
+                                        </p:tgtEl>
+                                        <p:attrNameLst>
+                                          <p:attrName>ppt_y</p:attrName>
+                                        </p:attrNameLst>
+                                      </p:cBhvr>
+                                      <p:tavLst>
+                                        <p:tav tm="0">
+                                          <p:val>
+                                            <p:strVal val="#ppt_y"/>
+                                          </p:val>
+                                        </p:tav>
+                                        <p:tav tm="100000">
+                                          <p:val>
+                                            <p:strVal val="#ppt_y"/>
+                                          </p:val>
+                                        </p:tav>
+                                      </p:tavLst>
+                                    </p:anim>
+                                  </p:childTnLst>
+                                </p:cTn>
+                              </p:par>
+                            </p:childTnLst>
+                          </p:cTn>
+                        </p:par>
+                      </p:childTnLst>
+                    </p:cTn>
+                  </p:par>
+                  <p:par>
+                    <p:cTn id="15" fill="hold">
+                      <p:stCondLst>
+                        <p:cond delay="indefinite"/>
+                      </p:stCondLst>
+                      <p:childTnLst>
+                        <p:par>
+                          <p:cTn id="16" fill="hold">
+                            <p:stCondLst>
+                              <p:cond delay="0"/>
+                            </p:stCondLst>
+                            <p:childTnLst>
+                              <p:par>
+                                <p:cTn id="17" presetID="2" presetClass="entr" presetSubtype="8" fill="hold" nodeType="clickEffect">
+                                  <p:stCondLst>
+                                    <p:cond delay="0"/>
+                                  </p:stCondLst>
+                                  <p:childTnLst>
+                                    <p:set>
+                                      <p:cBhvr>
+                                        <p:cTn id="18" dur="1" fill="hold">
+                                          <p:stCondLst>
+                                            <p:cond delay="0"/>
+                                          </p:stCondLst>
+                                        </p:cTn>
+                                        <p:tgtEl>
+                                          <p:spTgt spid="5">
+                                            <p:txEl>
+                                              <p:pRg st="4" end="4"/>
+                                            </p:txEl>
+                                          </p:spTgt>
+                                        </p:tgtEl>
+                                        <p:attrNameLst>
+                                          <p:attrName>style.visibility</p:attrName>
+                                        </p:attrNameLst>
+                                      </p:cBhvr>
+                                      <p:to>
+                                        <p:strVal val="visible"/>
+                                      </p:to>
+                                    </p:set>
+                                    <p:anim calcmode="lin" valueType="num">
+                                      <p:cBhvr additive="base">
+                                        <p:cTn id="19" dur="500" fill="hold"/>
+                                        <p:tgtEl>
+                                          <p:spTgt spid="5">
+                                            <p:txEl>
+                                              <p:pRg st="4" end="4"/>
+                                            </p:txEl>
+                                          </p:spTgt>
+                                        </p:tgtEl>
+                                        <p:attrNameLst>
+                                          <p:attrName>ppt_x</p:attrName>
+                                        </p:attrNameLst>
+                                      </p:cBhvr>
+                                      <p:tavLst>
+                                        <p:tav tm="0">
+                                          <p:val>
+                                            <p:strVal val="0-#ppt_w/2"/>
+                                          </p:val>
+                                        </p:tav>
+                                        <p:tav tm="100000">
+                                          <p:val>
+                                            <p:strVal val="#ppt_x"/>
+                                          </p:val>
+                                        </p:tav>
+                                      </p:tavLst>
+                                    </p:anim>
+                                    <p:anim calcmode="lin" valueType="num">
+                                      <p:cBhvr additive="base">
+                                        <p:cTn id="20" dur="500" fill="hold"/>
+                                        <p:tgtEl>
+                                          <p:spTgt spid="5">
+                                            <p:txEl>
+                                              <p:pRg st="4" end="4"/>
+                                            </p:txEl>
+                                          </p:spTgt>
+                                        </p:tgtEl>
+                                        <p:attrNameLst>
+                                          <p:attrName>ppt_y</p:attrName>
+                                        </p:attrNameLst>
+                                      </p:cBhvr>
+                                      <p:tavLst>
+                                        <p:tav tm="0">
+                                          <p:val>
+                                            <p:strVal val="#ppt_y"/>
+                                          </p:val>
+                                        </p:tav>
+                                        <p:tav tm="100000">
+                                          <p:val>
+                                            <p:strVal val="#ppt_y"/>
+                                          </p:val>
+                                        </p:tav>
+                                      </p:tavLst>
+                                    </p:anim>
+                                  </p:childTnLst>
+                                </p:cTn>
+                              </p:par>
+                            </p:childTnLst>
+                          </p:cTn>
+                        </p:par>
+                      </p:childTnLst>
+                    </p:cTn>
+                  </p:par>
+                  <p:par>
+                    <p:cTn id="21" fill="hold">
+                      <p:stCondLst>
+                        <p:cond delay="indefinite"/>
+                      </p:stCondLst>
+                      <p:childTnLst>
+                        <p:par>
+                          <p:cTn id="22" fill="hold">
+                            <p:stCondLst>
+                              <p:cond delay="0"/>
+                            </p:stCondLst>
+                            <p:childTnLst>
+                              <p:par>
+                                <p:cTn id="23" presetID="2" presetClass="entr" presetSubtype="8" fill="hold" nodeType="clickEffect">
+                                  <p:stCondLst>
+                                    <p:cond delay="0"/>
+                                  </p:stCondLst>
+                                  <p:childTnLst>
+                                    <p:set>
+                                      <p:cBhvr>
+                                        <p:cTn id="24" dur="1" fill="hold">
+                                          <p:stCondLst>
+                                            <p:cond delay="0"/>
+                                          </p:stCondLst>
+                                        </p:cTn>
+                                        <p:tgtEl>
+                                          <p:spTgt spid="5">
+                                            <p:txEl>
+                                              <p:pRg st="6" end="6"/>
+                                            </p:txEl>
+                                          </p:spTgt>
+                                        </p:tgtEl>
+                                        <p:attrNameLst>
+                                          <p:attrName>style.visibility</p:attrName>
+                                        </p:attrNameLst>
+                                      </p:cBhvr>
+                                      <p:to>
+                                        <p:strVal val="visible"/>
+                                      </p:to>
+                                    </p:set>
+                                    <p:anim calcmode="lin" valueType="num">
+                                      <p:cBhvr additive="base">
+                                        <p:cTn id="25" dur="500" fill="hold"/>
+                                        <p:tgtEl>
+                                          <p:spTgt spid="5">
+                                            <p:txEl>
+                                              <p:pRg st="6" end="6"/>
+                                            </p:txEl>
+                                          </p:spTgt>
+                                        </p:tgtEl>
+                                        <p:attrNameLst>
+                                          <p:attrName>ppt_x</p:attrName>
+                                        </p:attrNameLst>
+                                      </p:cBhvr>
+                                      <p:tavLst>
+                                        <p:tav tm="0">
+                                          <p:val>
+                                            <p:strVal val="0-#ppt_w/2"/>
+                                          </p:val>
+                                        </p:tav>
+                                        <p:tav tm="100000">
+                                          <p:val>
+                                            <p:strVal val="#ppt_x"/>
+                                          </p:val>
+                                        </p:tav>
+                                      </p:tavLst>
+                                    </p:anim>
+                                    <p:anim calcmode="lin" valueType="num">
+                                      <p:cBhvr additive="base">
+                                        <p:cTn id="26" dur="500" fill="hold"/>
+                                        <p:tgtEl>
+                                          <p:spTgt spid="5">
+                                            <p:txEl>
+                                              <p:pRg st="6" end="6"/>
+                                            </p:txEl>
+                                          </p:spTgt>
+                                        </p:tgtEl>
+                                        <p:attrNameLst>
+                                          <p:attrName>ppt_y</p:attrName>
+                                        </p:attrNameLst>
+                                      </p:cBhvr>
+                                      <p:tavLst>
+                                        <p:tav tm="0">
+                                          <p:val>
+                                            <p:strVal val="#ppt_y"/>
+                                          </p:val>
+                                        </p:tav>
+                                        <p:tav tm="100000">
+                                          <p:val>
+                                            <p:strVal val="#ppt_y"/>
+                                          </p:val>
+                                        </p:tav>
+                                      </p:tavLst>
+                                    </p:anim>
+                                  </p:childTnLst>
+                                </p:cTn>
+                              </p:par>
+                            </p:childTnLst>
+                          </p:cTn>
+                        </p:par>
+                      </p:childTnLst>
+                    </p:cTn>
+                  </p:par>
+                </p:childTnLst>
+              </p:cTn>
+              <p:prevCondLst>
+                <p:cond evt="onPrev" delay="0">
+                  <p:tgtEl>
+                    <p:sldTgt/>
+                  </p:tgtEl>
+                </p:cond>
+              </p:prevCondLst>
+              <p:nextCondLst>
+                <p:cond evt="onNext" delay="0">
+                  <p:tgtEl>
+                    <p:sldTgt/>
+                  </p:tgtEl>
+                </p:cond>
+              </p:nextCondLst>
+            </p:seq>
+          </p:childTnLst>
+        </p:cTn>
+      </p:par>
+    </p:tnLst>
+  </p:timing>
 </p:sld>
 </file>
 
@@ -5826,6 +6747,341 @@
   <p:clrMapOvr>
     <a:masterClrMapping/>
   </p:clrMapOvr>
+  <p:timing>
+    <p:tnLst>
+      <p:par>
+        <p:cTn id="1" dur="indefinite" restart="never" nodeType="tmRoot">
+          <p:childTnLst>
+            <p:seq concurrent="1" nextAc="seek">
+              <p:cTn id="2" dur="indefinite" nodeType="mainSeq">
+                <p:childTnLst>
+                  <p:par>
+                    <p:cTn id="3" fill="hold">
+                      <p:stCondLst>
+                        <p:cond delay="indefinite"/>
+                      </p:stCondLst>
+                      <p:childTnLst>
+                        <p:par>
+                          <p:cTn id="4" fill="hold">
+                            <p:stCondLst>
+                              <p:cond delay="0"/>
+                            </p:stCondLst>
+                            <p:childTnLst>
+                              <p:par>
+                                <p:cTn id="5" presetID="10" presetClass="entr" presetSubtype="0" fill="hold" nodeType="clickEffect">
+                                  <p:stCondLst>
+                                    <p:cond delay="0"/>
+                                  </p:stCondLst>
+                                  <p:childTnLst>
+                                    <p:set>
+                                      <p:cBhvr>
+                                        <p:cTn id="6" dur="1" fill="hold">
+                                          <p:stCondLst>
+                                            <p:cond delay="0"/>
+                                          </p:stCondLst>
+                                        </p:cTn>
+                                        <p:tgtEl>
+                                          <p:spTgt spid="7">
+                                            <p:txEl>
+                                              <p:pRg st="0" end="0"/>
+                                            </p:txEl>
+                                          </p:spTgt>
+                                        </p:tgtEl>
+                                        <p:attrNameLst>
+                                          <p:attrName>style.visibility</p:attrName>
+                                        </p:attrNameLst>
+                                      </p:cBhvr>
+                                      <p:to>
+                                        <p:strVal val="visible"/>
+                                      </p:to>
+                                    </p:set>
+                                    <p:animEffect transition="in" filter="fade">
+                                      <p:cBhvr>
+                                        <p:cTn id="7" dur="500"/>
+                                        <p:tgtEl>
+                                          <p:spTgt spid="7">
+                                            <p:txEl>
+                                              <p:pRg st="0" end="0"/>
+                                            </p:txEl>
+                                          </p:spTgt>
+                                        </p:tgtEl>
+                                      </p:cBhvr>
+                                    </p:animEffect>
+                                  </p:childTnLst>
+                                </p:cTn>
+                              </p:par>
+                            </p:childTnLst>
+                          </p:cTn>
+                        </p:par>
+                      </p:childTnLst>
+                    </p:cTn>
+                  </p:par>
+                  <p:par>
+                    <p:cTn id="8" fill="hold">
+                      <p:stCondLst>
+                        <p:cond delay="indefinite"/>
+                      </p:stCondLst>
+                      <p:childTnLst>
+                        <p:par>
+                          <p:cTn id="9" fill="hold">
+                            <p:stCondLst>
+                              <p:cond delay="0"/>
+                            </p:stCondLst>
+                            <p:childTnLst>
+                              <p:par>
+                                <p:cTn id="10" presetID="10" presetClass="entr" presetSubtype="0" fill="hold" nodeType="clickEffect">
+                                  <p:stCondLst>
+                                    <p:cond delay="0"/>
+                                  </p:stCondLst>
+                                  <p:childTnLst>
+                                    <p:set>
+                                      <p:cBhvr>
+                                        <p:cTn id="11" dur="1" fill="hold">
+                                          <p:stCondLst>
+                                            <p:cond delay="0"/>
+                                          </p:stCondLst>
+                                        </p:cTn>
+                                        <p:tgtEl>
+                                          <p:spTgt spid="7">
+                                            <p:txEl>
+                                              <p:pRg st="1" end="1"/>
+                                            </p:txEl>
+                                          </p:spTgt>
+                                        </p:tgtEl>
+                                        <p:attrNameLst>
+                                          <p:attrName>style.visibility</p:attrName>
+                                        </p:attrNameLst>
+                                      </p:cBhvr>
+                                      <p:to>
+                                        <p:strVal val="visible"/>
+                                      </p:to>
+                                    </p:set>
+                                    <p:animEffect transition="in" filter="fade">
+                                      <p:cBhvr>
+                                        <p:cTn id="12" dur="500"/>
+                                        <p:tgtEl>
+                                          <p:spTgt spid="7">
+                                            <p:txEl>
+                                              <p:pRg st="1" end="1"/>
+                                            </p:txEl>
+                                          </p:spTgt>
+                                        </p:tgtEl>
+                                      </p:cBhvr>
+                                    </p:animEffect>
+                                  </p:childTnLst>
+                                </p:cTn>
+                              </p:par>
+                            </p:childTnLst>
+                          </p:cTn>
+                        </p:par>
+                      </p:childTnLst>
+                    </p:cTn>
+                  </p:par>
+                  <p:par>
+                    <p:cTn id="13" fill="hold">
+                      <p:stCondLst>
+                        <p:cond delay="indefinite"/>
+                      </p:stCondLst>
+                      <p:childTnLst>
+                        <p:par>
+                          <p:cTn id="14" fill="hold">
+                            <p:stCondLst>
+                              <p:cond delay="0"/>
+                            </p:stCondLst>
+                            <p:childTnLst>
+                              <p:par>
+                                <p:cTn id="15" presetID="10" presetClass="entr" presetSubtype="0" fill="hold" nodeType="clickEffect">
+                                  <p:stCondLst>
+                                    <p:cond delay="0"/>
+                                  </p:stCondLst>
+                                  <p:childTnLst>
+                                    <p:set>
+                                      <p:cBhvr>
+                                        <p:cTn id="16" dur="1" fill="hold">
+                                          <p:stCondLst>
+                                            <p:cond delay="0"/>
+                                          </p:stCondLst>
+                                        </p:cTn>
+                                        <p:tgtEl>
+                                          <p:spTgt spid="2">
+                                            <p:txEl>
+                                              <p:pRg st="0" end="0"/>
+                                            </p:txEl>
+                                          </p:spTgt>
+                                        </p:tgtEl>
+                                        <p:attrNameLst>
+                                          <p:attrName>style.visibility</p:attrName>
+                                        </p:attrNameLst>
+                                      </p:cBhvr>
+                                      <p:to>
+                                        <p:strVal val="visible"/>
+                                      </p:to>
+                                    </p:set>
+                                    <p:animEffect transition="in" filter="fade">
+                                      <p:cBhvr>
+                                        <p:cTn id="17" dur="500"/>
+                                        <p:tgtEl>
+                                          <p:spTgt spid="2">
+                                            <p:txEl>
+                                              <p:pRg st="0" end="0"/>
+                                            </p:txEl>
+                                          </p:spTgt>
+                                        </p:tgtEl>
+                                      </p:cBhvr>
+                                    </p:animEffect>
+                                  </p:childTnLst>
+                                </p:cTn>
+                              </p:par>
+                            </p:childTnLst>
+                          </p:cTn>
+                        </p:par>
+                      </p:childTnLst>
+                    </p:cTn>
+                  </p:par>
+                  <p:par>
+                    <p:cTn id="18" fill="hold">
+                      <p:stCondLst>
+                        <p:cond delay="indefinite"/>
+                      </p:stCondLst>
+                      <p:childTnLst>
+                        <p:par>
+                          <p:cTn id="19" fill="hold">
+                            <p:stCondLst>
+                              <p:cond delay="0"/>
+                            </p:stCondLst>
+                            <p:childTnLst>
+                              <p:par>
+                                <p:cTn id="20" presetID="10" presetClass="entr" presetSubtype="0" fill="hold" nodeType="clickEffect">
+                                  <p:stCondLst>
+                                    <p:cond delay="0"/>
+                                  </p:stCondLst>
+                                  <p:childTnLst>
+                                    <p:set>
+                                      <p:cBhvr>
+                                        <p:cTn id="21" dur="1" fill="hold">
+                                          <p:stCondLst>
+                                            <p:cond delay="0"/>
+                                          </p:stCondLst>
+                                        </p:cTn>
+                                        <p:tgtEl>
+                                          <p:spTgt spid="2">
+                                            <p:txEl>
+                                              <p:pRg st="1" end="1"/>
+                                            </p:txEl>
+                                          </p:spTgt>
+                                        </p:tgtEl>
+                                        <p:attrNameLst>
+                                          <p:attrName>style.visibility</p:attrName>
+                                        </p:attrNameLst>
+                                      </p:cBhvr>
+                                      <p:to>
+                                        <p:strVal val="visible"/>
+                                      </p:to>
+                                    </p:set>
+                                    <p:animEffect transition="in" filter="fade">
+                                      <p:cBhvr>
+                                        <p:cTn id="22" dur="500"/>
+                                        <p:tgtEl>
+                                          <p:spTgt spid="2">
+                                            <p:txEl>
+                                              <p:pRg st="1" end="1"/>
+                                            </p:txEl>
+                                          </p:spTgt>
+                                        </p:tgtEl>
+                                      </p:cBhvr>
+                                    </p:animEffect>
+                                  </p:childTnLst>
+                                </p:cTn>
+                              </p:par>
+                            </p:childTnLst>
+                          </p:cTn>
+                        </p:par>
+                      </p:childTnLst>
+                    </p:cTn>
+                  </p:par>
+                  <p:par>
+                    <p:cTn id="23" fill="hold">
+                      <p:stCondLst>
+                        <p:cond delay="indefinite"/>
+                      </p:stCondLst>
+                      <p:childTnLst>
+                        <p:par>
+                          <p:cTn id="24" fill="hold">
+                            <p:stCondLst>
+                              <p:cond delay="0"/>
+                            </p:stCondLst>
+                            <p:childTnLst>
+                              <p:par>
+                                <p:cTn id="25" presetID="10" presetClass="entr" presetSubtype="0" fill="hold" nodeType="clickEffect">
+                                  <p:stCondLst>
+                                    <p:cond delay="0"/>
+                                  </p:stCondLst>
+                                  <p:childTnLst>
+                                    <p:set>
+                                      <p:cBhvr>
+                                        <p:cTn id="26" dur="1" fill="hold">
+                                          <p:stCondLst>
+                                            <p:cond delay="0"/>
+                                          </p:stCondLst>
+                                        </p:cTn>
+                                        <p:tgtEl>
+                                          <p:spTgt spid="2">
+                                            <p:txEl>
+                                              <p:pRg st="2" end="2"/>
+                                            </p:txEl>
+                                          </p:spTgt>
+                                        </p:tgtEl>
+                                        <p:attrNameLst>
+                                          <p:attrName>style.visibility</p:attrName>
+                                        </p:attrNameLst>
+                                      </p:cBhvr>
+                                      <p:to>
+                                        <p:strVal val="visible"/>
+                                      </p:to>
+                                    </p:set>
+                                    <p:animEffect transition="in" filter="fade">
+                                      <p:cBhvr>
+                                        <p:cTn id="27" dur="500"/>
+                                        <p:tgtEl>
+                                          <p:spTgt spid="2">
+                                            <p:txEl>
+                                              <p:pRg st="2" end="2"/>
+                                            </p:txEl>
+                                          </p:spTgt>
+                                        </p:tgtEl>
+                                      </p:cBhvr>
+                                    </p:animEffect>
+                                  </p:childTnLst>
+                                </p:cTn>
+                              </p:par>
+                            </p:childTnLst>
+                          </p:cTn>
+                        </p:par>
+                      </p:childTnLst>
+                    </p:cTn>
+                  </p:par>
+                </p:childTnLst>
+              </p:cTn>
+              <p:prevCondLst>
+                <p:cond evt="onPrev" delay="0">
+                  <p:tgtEl>
+                    <p:sldTgt/>
+                  </p:tgtEl>
+                </p:cond>
+              </p:prevCondLst>
+              <p:nextCondLst>
+                <p:cond evt="onNext" delay="0">
+                  <p:tgtEl>
+                    <p:sldTgt/>
+                  </p:tgtEl>
+                </p:cond>
+              </p:nextCondLst>
+            </p:seq>
+          </p:childTnLst>
+        </p:cTn>
+      </p:par>
+    </p:tnLst>
+  </p:timing>
 </p:sld>
 </file>
 
